--- a/figures/figure-cross-validation/fig-cross-validation-xy-plots-diffs.pptx
+++ b/figures/figure-cross-validation/fig-cross-validation-xy-plots-diffs.pptx
@@ -5,8 +5,7 @@
     <p:sldMasterId id="2147483672" r:id="rId1"/>
   </p:sldMasterIdLst>
   <p:sldIdLst>
-    <p:sldId id="256" r:id="rId2"/>
-    <p:sldId id="257" r:id="rId3"/>
+    <p:sldId id="257" r:id="rId2"/>
   </p:sldIdLst>
   <p:sldSz cx="6858000" cy="9144000" type="screen4x3"/>
   <p:notesSz cx="6858000" cy="9144000"/>
@@ -2967,396 +2966,6 @@
 </file>
 
 <file path=ppt/slides/slide1.xml><?xml version="1.0" encoding="utf-8"?>
-<p:sld xmlns:a="http://schemas.openxmlformats.org/drawingml/2006/main" xmlns:r="http://schemas.openxmlformats.org/officeDocument/2006/relationships" xmlns:p="http://schemas.openxmlformats.org/presentationml/2006/main">
-  <p:cSld>
-    <p:spTree>
-      <p:nvGrpSpPr>
-        <p:cNvPr id="1" name=""/>
-        <p:cNvGrpSpPr/>
-        <p:nvPr/>
-      </p:nvGrpSpPr>
-      <p:grpSpPr>
-        <a:xfrm>
-          <a:off x="0" y="0"/>
-          <a:ext cx="0" cy="0"/>
-          <a:chOff x="0" y="0"/>
-          <a:chExt cx="0" cy="0"/>
-        </a:xfrm>
-      </p:grpSpPr>
-      <p:pic>
-        <p:nvPicPr>
-          <p:cNvPr id="5" name="Picture 4">
-            <a:extLst>
-              <a:ext uri="{FF2B5EF4-FFF2-40B4-BE49-F238E27FC236}">
-                <a16:creationId xmlns:a16="http://schemas.microsoft.com/office/drawing/2014/main" id="{D98766D1-88F3-784A-8E90-C02263B5740E}"/>
-              </a:ext>
-            </a:extLst>
-          </p:cNvPr>
-          <p:cNvPicPr>
-            <a:picLocks noChangeAspect="1"/>
-          </p:cNvPicPr>
-          <p:nvPr/>
-        </p:nvPicPr>
-        <p:blipFill>
-          <a:blip r:embed="rId2"/>
-          <a:stretch>
-            <a:fillRect/>
-          </a:stretch>
-        </p:blipFill>
-        <p:spPr>
-          <a:xfrm>
-            <a:off x="1" y="24643"/>
-            <a:ext cx="2308485" cy="2308485"/>
-          </a:xfrm>
-          <a:prstGeom prst="rect">
-            <a:avLst/>
-          </a:prstGeom>
-        </p:spPr>
-      </p:pic>
-      <p:pic>
-        <p:nvPicPr>
-          <p:cNvPr id="7" name="Picture 6">
-            <a:extLst>
-              <a:ext uri="{FF2B5EF4-FFF2-40B4-BE49-F238E27FC236}">
-                <a16:creationId xmlns:a16="http://schemas.microsoft.com/office/drawing/2014/main" id="{1EE02570-51E4-5D42-8211-2D04D6EE3920}"/>
-              </a:ext>
-            </a:extLst>
-          </p:cNvPr>
-          <p:cNvPicPr>
-            <a:picLocks noChangeAspect="1"/>
-          </p:cNvPicPr>
-          <p:nvPr/>
-        </p:nvPicPr>
-        <p:blipFill>
-          <a:blip r:embed="rId3"/>
-          <a:stretch>
-            <a:fillRect/>
-          </a:stretch>
-        </p:blipFill>
-        <p:spPr>
-          <a:xfrm>
-            <a:off x="2274758" y="24643"/>
-            <a:ext cx="2308485" cy="2308485"/>
-          </a:xfrm>
-          <a:prstGeom prst="rect">
-            <a:avLst/>
-          </a:prstGeom>
-        </p:spPr>
-      </p:pic>
-      <p:pic>
-        <p:nvPicPr>
-          <p:cNvPr id="9" name="Picture 8">
-            <a:extLst>
-              <a:ext uri="{FF2B5EF4-FFF2-40B4-BE49-F238E27FC236}">
-                <a16:creationId xmlns:a16="http://schemas.microsoft.com/office/drawing/2014/main" id="{37F0E6B1-A45E-2447-87AA-286D39C7FC06}"/>
-              </a:ext>
-            </a:extLst>
-          </p:cNvPr>
-          <p:cNvPicPr>
-            <a:picLocks noChangeAspect="1"/>
-          </p:cNvPicPr>
-          <p:nvPr/>
-        </p:nvPicPr>
-        <p:blipFill>
-          <a:blip r:embed="rId4"/>
-          <a:stretch>
-            <a:fillRect/>
-          </a:stretch>
-        </p:blipFill>
-        <p:spPr>
-          <a:xfrm>
-            <a:off x="4549515" y="24643"/>
-            <a:ext cx="2308485" cy="2308485"/>
-          </a:xfrm>
-          <a:prstGeom prst="rect">
-            <a:avLst/>
-          </a:prstGeom>
-        </p:spPr>
-      </p:pic>
-      <p:pic>
-        <p:nvPicPr>
-          <p:cNvPr id="11" name="Picture 10">
-            <a:extLst>
-              <a:ext uri="{FF2B5EF4-FFF2-40B4-BE49-F238E27FC236}">
-                <a16:creationId xmlns:a16="http://schemas.microsoft.com/office/drawing/2014/main" id="{662AE727-61B7-054E-AE2D-06A8A78900C9}"/>
-              </a:ext>
-            </a:extLst>
-          </p:cNvPr>
-          <p:cNvPicPr>
-            <a:picLocks noChangeAspect="1"/>
-          </p:cNvPicPr>
-          <p:nvPr/>
-        </p:nvPicPr>
-        <p:blipFill>
-          <a:blip r:embed="rId5"/>
-          <a:stretch>
-            <a:fillRect/>
-          </a:stretch>
-        </p:blipFill>
-        <p:spPr>
-          <a:xfrm>
-            <a:off x="5621" y="2333128"/>
-            <a:ext cx="2308485" cy="2308485"/>
-          </a:xfrm>
-          <a:prstGeom prst="rect">
-            <a:avLst/>
-          </a:prstGeom>
-        </p:spPr>
-      </p:pic>
-      <p:pic>
-        <p:nvPicPr>
-          <p:cNvPr id="13" name="Picture 12">
-            <a:extLst>
-              <a:ext uri="{FF2B5EF4-FFF2-40B4-BE49-F238E27FC236}">
-                <a16:creationId xmlns:a16="http://schemas.microsoft.com/office/drawing/2014/main" id="{850889B6-79ED-D443-95A9-CBB9E86CBF94}"/>
-              </a:ext>
-            </a:extLst>
-          </p:cNvPr>
-          <p:cNvPicPr>
-            <a:picLocks noChangeAspect="1"/>
-          </p:cNvPicPr>
-          <p:nvPr/>
-        </p:nvPicPr>
-        <p:blipFill>
-          <a:blip r:embed="rId6"/>
-          <a:stretch>
-            <a:fillRect/>
-          </a:stretch>
-        </p:blipFill>
-        <p:spPr>
-          <a:xfrm>
-            <a:off x="2269138" y="2333127"/>
-            <a:ext cx="2308485" cy="2308485"/>
-          </a:xfrm>
-          <a:prstGeom prst="rect">
-            <a:avLst/>
-          </a:prstGeom>
-        </p:spPr>
-      </p:pic>
-      <p:pic>
-        <p:nvPicPr>
-          <p:cNvPr id="15" name="Picture 14">
-            <a:extLst>
-              <a:ext uri="{FF2B5EF4-FFF2-40B4-BE49-F238E27FC236}">
-                <a16:creationId xmlns:a16="http://schemas.microsoft.com/office/drawing/2014/main" id="{3DF5C8CF-DE96-C946-9AB8-D1C6C7008940}"/>
-              </a:ext>
-            </a:extLst>
-          </p:cNvPr>
-          <p:cNvPicPr>
-            <a:picLocks noChangeAspect="1"/>
-          </p:cNvPicPr>
-          <p:nvPr/>
-        </p:nvPicPr>
-        <p:blipFill>
-          <a:blip r:embed="rId7"/>
-          <a:stretch>
-            <a:fillRect/>
-          </a:stretch>
-        </p:blipFill>
-        <p:spPr>
-          <a:xfrm>
-            <a:off x="4616970" y="2333129"/>
-            <a:ext cx="2308485" cy="2308485"/>
-          </a:xfrm>
-          <a:prstGeom prst="rect">
-            <a:avLst/>
-          </a:prstGeom>
-        </p:spPr>
-      </p:pic>
-      <p:pic>
-        <p:nvPicPr>
-          <p:cNvPr id="17" name="Picture 16">
-            <a:extLst>
-              <a:ext uri="{FF2B5EF4-FFF2-40B4-BE49-F238E27FC236}">
-                <a16:creationId xmlns:a16="http://schemas.microsoft.com/office/drawing/2014/main" id="{CE96C1F9-E059-5C40-8D3B-BD8200AAABA7}"/>
-              </a:ext>
-            </a:extLst>
-          </p:cNvPr>
-          <p:cNvPicPr>
-            <a:picLocks noChangeAspect="1"/>
-          </p:cNvPicPr>
-          <p:nvPr/>
-        </p:nvPicPr>
-        <p:blipFill>
-          <a:blip r:embed="rId8"/>
-          <a:stretch>
-            <a:fillRect/>
-          </a:stretch>
-        </p:blipFill>
-        <p:spPr>
-          <a:xfrm>
-            <a:off x="22485" y="4641611"/>
-            <a:ext cx="2286000" cy="2286000"/>
-          </a:xfrm>
-          <a:prstGeom prst="rect">
-            <a:avLst/>
-          </a:prstGeom>
-        </p:spPr>
-      </p:pic>
-      <p:pic>
-        <p:nvPicPr>
-          <p:cNvPr id="19" name="Picture 18">
-            <a:extLst>
-              <a:ext uri="{FF2B5EF4-FFF2-40B4-BE49-F238E27FC236}">
-                <a16:creationId xmlns:a16="http://schemas.microsoft.com/office/drawing/2014/main" id="{C2A6EAB2-DF70-5B43-9A01-E3F144089823}"/>
-              </a:ext>
-            </a:extLst>
-          </p:cNvPr>
-          <p:cNvPicPr>
-            <a:picLocks noChangeAspect="1"/>
-          </p:cNvPicPr>
-          <p:nvPr/>
-        </p:nvPicPr>
-        <p:blipFill>
-          <a:blip r:embed="rId9"/>
-          <a:stretch>
-            <a:fillRect/>
-          </a:stretch>
-        </p:blipFill>
-        <p:spPr>
-          <a:xfrm>
-            <a:off x="2353453" y="4619127"/>
-            <a:ext cx="2308485" cy="2308485"/>
-          </a:xfrm>
-          <a:prstGeom prst="rect">
-            <a:avLst/>
-          </a:prstGeom>
-        </p:spPr>
-      </p:pic>
-      <p:pic>
-        <p:nvPicPr>
-          <p:cNvPr id="21" name="Picture 20">
-            <a:extLst>
-              <a:ext uri="{FF2B5EF4-FFF2-40B4-BE49-F238E27FC236}">
-                <a16:creationId xmlns:a16="http://schemas.microsoft.com/office/drawing/2014/main" id="{0BADAB01-6420-7C47-A27E-1F3AFB9FA87E}"/>
-              </a:ext>
-            </a:extLst>
-          </p:cNvPr>
-          <p:cNvPicPr>
-            <a:picLocks noChangeAspect="1"/>
-          </p:cNvPicPr>
-          <p:nvPr/>
-        </p:nvPicPr>
-        <p:blipFill>
-          <a:blip r:embed="rId10"/>
-          <a:stretch>
-            <a:fillRect/>
-          </a:stretch>
-        </p:blipFill>
-        <p:spPr>
-          <a:xfrm>
-            <a:off x="4572004" y="4641609"/>
-            <a:ext cx="2286000" cy="2286000"/>
-          </a:xfrm>
-          <a:prstGeom prst="rect">
-            <a:avLst/>
-          </a:prstGeom>
-        </p:spPr>
-      </p:pic>
-      <p:pic>
-        <p:nvPicPr>
-          <p:cNvPr id="23" name="Picture 22">
-            <a:extLst>
-              <a:ext uri="{FF2B5EF4-FFF2-40B4-BE49-F238E27FC236}">
-                <a16:creationId xmlns:a16="http://schemas.microsoft.com/office/drawing/2014/main" id="{6183705C-88CC-1B4C-88EF-754F3D3BB7C9}"/>
-              </a:ext>
-            </a:extLst>
-          </p:cNvPr>
-          <p:cNvPicPr>
-            <a:picLocks noChangeAspect="1"/>
-          </p:cNvPicPr>
-          <p:nvPr/>
-        </p:nvPicPr>
-        <p:blipFill>
-          <a:blip r:embed="rId11"/>
-          <a:stretch>
-            <a:fillRect/>
-          </a:stretch>
-        </p:blipFill>
-        <p:spPr>
-          <a:xfrm>
-            <a:off x="44969" y="6812351"/>
-            <a:ext cx="2286000" cy="2286000"/>
-          </a:xfrm>
-          <a:prstGeom prst="rect">
-            <a:avLst/>
-          </a:prstGeom>
-        </p:spPr>
-      </p:pic>
-      <p:pic>
-        <p:nvPicPr>
-          <p:cNvPr id="25" name="Picture 24">
-            <a:extLst>
-              <a:ext uri="{FF2B5EF4-FFF2-40B4-BE49-F238E27FC236}">
-                <a16:creationId xmlns:a16="http://schemas.microsoft.com/office/drawing/2014/main" id="{F049A180-7112-DA46-84C2-772F53A0D6D4}"/>
-              </a:ext>
-            </a:extLst>
-          </p:cNvPr>
-          <p:cNvPicPr>
-            <a:picLocks noChangeAspect="1"/>
-          </p:cNvPicPr>
-          <p:nvPr/>
-        </p:nvPicPr>
-        <p:blipFill>
-          <a:blip r:embed="rId12"/>
-          <a:stretch>
-            <a:fillRect/>
-          </a:stretch>
-        </p:blipFill>
-        <p:spPr>
-          <a:xfrm>
-            <a:off x="2314106" y="6812352"/>
-            <a:ext cx="2308485" cy="2308485"/>
-          </a:xfrm>
-          <a:prstGeom prst="rect">
-            <a:avLst/>
-          </a:prstGeom>
-        </p:spPr>
-      </p:pic>
-      <p:pic>
-        <p:nvPicPr>
-          <p:cNvPr id="27" name="Picture 26">
-            <a:extLst>
-              <a:ext uri="{FF2B5EF4-FFF2-40B4-BE49-F238E27FC236}">
-                <a16:creationId xmlns:a16="http://schemas.microsoft.com/office/drawing/2014/main" id="{F7B72C14-9C74-FD46-A6A7-DEA527A41996}"/>
-              </a:ext>
-            </a:extLst>
-          </p:cNvPr>
-          <p:cNvPicPr>
-            <a:picLocks noChangeAspect="1"/>
-          </p:cNvPicPr>
-          <p:nvPr/>
-        </p:nvPicPr>
-        <p:blipFill>
-          <a:blip r:embed="rId13"/>
-          <a:stretch>
-            <a:fillRect/>
-          </a:stretch>
-        </p:blipFill>
-        <p:spPr>
-          <a:xfrm>
-            <a:off x="4639454" y="6789863"/>
-            <a:ext cx="2308485" cy="2308485"/>
-          </a:xfrm>
-          <a:prstGeom prst="rect">
-            <a:avLst/>
-          </a:prstGeom>
-        </p:spPr>
-      </p:pic>
-    </p:spTree>
-    <p:extLst>
-      <p:ext uri="{BB962C8B-B14F-4D97-AF65-F5344CB8AC3E}">
-        <p14:creationId xmlns:p14="http://schemas.microsoft.com/office/powerpoint/2010/main" val="482493978"/>
-      </p:ext>
-    </p:extLst>
-  </p:cSld>
-  <p:clrMapOvr>
-    <a:masterClrMapping/>
-  </p:clrMapOvr>
-</p:sld>
-</file>
-
-<file path=ppt/slides/slide2.xml><?xml version="1.0" encoding="utf-8"?>
 <p:sld xmlns:a="http://schemas.openxmlformats.org/drawingml/2006/main" xmlns:r="http://schemas.openxmlformats.org/officeDocument/2006/relationships" xmlns:p="http://schemas.openxmlformats.org/presentationml/2006/main">
   <p:cSld>
     <p:spTree>
